--- a/Presentation.pptx
+++ b/Presentation.pptx
@@ -167,16 +167,416 @@
 </p:presentation>
 </file>
 
-<file path=ppt/revisionInfo.xml><?xml version="1.0" encoding="utf-8"?>
-<p1510:revInfo xmlns:a="http://schemas.openxmlformats.org/drawingml/2006/main" xmlns:r="http://schemas.openxmlformats.org/officeDocument/2006/relationships" xmlns:p1510="http://schemas.microsoft.com/office/powerpoint/2015/10/main">
-  <p1510:revLst>
-    <p1510:client id="{3CDF14F4-435C-4169-BDD0-819B222B546E}" v="2346" dt="2020-09-29T16:31:42.499"/>
-  </p1510:revLst>
-</p1510:revInfo>
-</file>
-
 <file path=ppt/changesInfos/changesInfo1.xml><?xml version="1.0" encoding="utf-8"?>
 <pc:chgInfo xmlns:a="http://schemas.openxmlformats.org/drawingml/2006/main" xmlns:r="http://schemas.openxmlformats.org/officeDocument/2006/relationships" xmlns:ac="http://schemas.microsoft.com/office/drawing/2013/main/command" xmlns:pc="http://schemas.microsoft.com/office/powerpoint/2013/main/command">
+  <pc:docChgLst>
+    <pc:chgData name="王 泽宇" userId="9d3f4cd7f59b24b4" providerId="LiveId" clId="{BAC10133-D25F-4E27-BDC4-22A221900220}"/>
+    <pc:docChg chg="undo custSel addSld delSld modSld sldOrd">
+      <pc:chgData name="王 泽宇" userId="9d3f4cd7f59b24b4" providerId="LiveId" clId="{BAC10133-D25F-4E27-BDC4-22A221900220}" dt="2021-09-27T16:58:58.926" v="323" actId="478"/>
+      <pc:docMkLst>
+        <pc:docMk/>
+      </pc:docMkLst>
+      <pc:sldChg chg="modSp mod">
+        <pc:chgData name="王 泽宇" userId="9d3f4cd7f59b24b4" providerId="LiveId" clId="{BAC10133-D25F-4E27-BDC4-22A221900220}" dt="2021-09-26T12:33:06.416" v="94" actId="20577"/>
+        <pc:sldMkLst>
+          <pc:docMk/>
+          <pc:sldMk cId="55771886" sldId="268"/>
+        </pc:sldMkLst>
+        <pc:spChg chg="mod">
+          <ac:chgData name="王 泽宇" userId="9d3f4cd7f59b24b4" providerId="LiveId" clId="{BAC10133-D25F-4E27-BDC4-22A221900220}" dt="2021-09-26T12:33:06.416" v="94" actId="20577"/>
+          <ac:spMkLst>
+            <pc:docMk/>
+            <pc:sldMk cId="55771886" sldId="268"/>
+            <ac:spMk id="3" creationId="{00000000-0000-0000-0000-000000000000}"/>
+          </ac:spMkLst>
+        </pc:spChg>
+      </pc:sldChg>
+      <pc:sldChg chg="modSp mod">
+        <pc:chgData name="王 泽宇" userId="9d3f4cd7f59b24b4" providerId="LiveId" clId="{BAC10133-D25F-4E27-BDC4-22A221900220}" dt="2021-09-26T12:28:46.289" v="90" actId="1076"/>
+        <pc:sldMkLst>
+          <pc:docMk/>
+          <pc:sldMk cId="4063641400" sldId="269"/>
+        </pc:sldMkLst>
+        <pc:picChg chg="mod">
+          <ac:chgData name="王 泽宇" userId="9d3f4cd7f59b24b4" providerId="LiveId" clId="{BAC10133-D25F-4E27-BDC4-22A221900220}" dt="2021-09-26T12:28:46.289" v="90" actId="1076"/>
+          <ac:picMkLst>
+            <pc:docMk/>
+            <pc:sldMk cId="4063641400" sldId="269"/>
+            <ac:picMk id="4" creationId="{00000000-0000-0000-0000-000000000000}"/>
+          </ac:picMkLst>
+        </pc:picChg>
+      </pc:sldChg>
+      <pc:sldChg chg="modSp mod">
+        <pc:chgData name="王 泽宇" userId="9d3f4cd7f59b24b4" providerId="LiveId" clId="{BAC10133-D25F-4E27-BDC4-22A221900220}" dt="2021-09-26T13:55:01.590" v="170" actId="404"/>
+        <pc:sldMkLst>
+          <pc:docMk/>
+          <pc:sldMk cId="3865529098" sldId="270"/>
+        </pc:sldMkLst>
+        <pc:spChg chg="mod">
+          <ac:chgData name="王 泽宇" userId="9d3f4cd7f59b24b4" providerId="LiveId" clId="{BAC10133-D25F-4E27-BDC4-22A221900220}" dt="2021-09-26T13:55:01.590" v="170" actId="404"/>
+          <ac:spMkLst>
+            <pc:docMk/>
+            <pc:sldMk cId="3865529098" sldId="270"/>
+            <ac:spMk id="2" creationId="{00000000-0000-0000-0000-000000000000}"/>
+          </ac:spMkLst>
+        </pc:spChg>
+      </pc:sldChg>
+      <pc:sldChg chg="modSp mod">
+        <pc:chgData name="王 泽宇" userId="9d3f4cd7f59b24b4" providerId="LiveId" clId="{BAC10133-D25F-4E27-BDC4-22A221900220}" dt="2021-09-26T11:42:08.049" v="11" actId="20577"/>
+        <pc:sldMkLst>
+          <pc:docMk/>
+          <pc:sldMk cId="3676477307" sldId="271"/>
+        </pc:sldMkLst>
+        <pc:spChg chg="mod">
+          <ac:chgData name="王 泽宇" userId="9d3f4cd7f59b24b4" providerId="LiveId" clId="{BAC10133-D25F-4E27-BDC4-22A221900220}" dt="2021-09-26T11:42:08.049" v="11" actId="20577"/>
+          <ac:spMkLst>
+            <pc:docMk/>
+            <pc:sldMk cId="3676477307" sldId="271"/>
+            <ac:spMk id="3" creationId="{00000000-0000-0000-0000-000000000000}"/>
+          </ac:spMkLst>
+        </pc:spChg>
+      </pc:sldChg>
+      <pc:sldChg chg="addSp delSp modSp mod">
+        <pc:chgData name="王 泽宇" userId="9d3f4cd7f59b24b4" providerId="LiveId" clId="{BAC10133-D25F-4E27-BDC4-22A221900220}" dt="2021-09-27T16:58:58.926" v="323" actId="478"/>
+        <pc:sldMkLst>
+          <pc:docMk/>
+          <pc:sldMk cId="3161837134" sldId="279"/>
+        </pc:sldMkLst>
+        <pc:spChg chg="mod">
+          <ac:chgData name="王 泽宇" userId="9d3f4cd7f59b24b4" providerId="LiveId" clId="{BAC10133-D25F-4E27-BDC4-22A221900220}" dt="2021-09-27T16:50:53.655" v="192" actId="1076"/>
+          <ac:spMkLst>
+            <pc:docMk/>
+            <pc:sldMk cId="3161837134" sldId="279"/>
+            <ac:spMk id="2" creationId="{00000000-0000-0000-0000-000000000000}"/>
+          </ac:spMkLst>
+        </pc:spChg>
+        <pc:spChg chg="add del mod">
+          <ac:chgData name="王 泽宇" userId="9d3f4cd7f59b24b4" providerId="LiveId" clId="{BAC10133-D25F-4E27-BDC4-22A221900220}" dt="2021-09-27T16:53:28.320" v="199" actId="478"/>
+          <ac:spMkLst>
+            <pc:docMk/>
+            <pc:sldMk cId="3161837134" sldId="279"/>
+            <ac:spMk id="6" creationId="{742884C8-10FD-4F49-8D17-375FFBA1EBC6}"/>
+          </ac:spMkLst>
+        </pc:spChg>
+        <pc:spChg chg="add del mod">
+          <ac:chgData name="王 泽宇" userId="9d3f4cd7f59b24b4" providerId="LiveId" clId="{BAC10133-D25F-4E27-BDC4-22A221900220}" dt="2021-09-27T16:58:58.926" v="323" actId="478"/>
+          <ac:spMkLst>
+            <pc:docMk/>
+            <pc:sldMk cId="3161837134" sldId="279"/>
+            <ac:spMk id="28" creationId="{FA45EF14-F2FD-43A0-84DF-9459CAE72D2B}"/>
+          </ac:spMkLst>
+        </pc:spChg>
+      </pc:sldChg>
+      <pc:sldChg chg="modSp mod">
+        <pc:chgData name="王 泽宇" userId="9d3f4cd7f59b24b4" providerId="LiveId" clId="{BAC10133-D25F-4E27-BDC4-22A221900220}" dt="2021-09-26T13:59:11.401" v="177" actId="1035"/>
+        <pc:sldMkLst>
+          <pc:docMk/>
+          <pc:sldMk cId="3191266742" sldId="293"/>
+        </pc:sldMkLst>
+        <pc:picChg chg="mod">
+          <ac:chgData name="王 泽宇" userId="9d3f4cd7f59b24b4" providerId="LiveId" clId="{BAC10133-D25F-4E27-BDC4-22A221900220}" dt="2021-09-26T13:59:11.401" v="177" actId="1035"/>
+          <ac:picMkLst>
+            <pc:docMk/>
+            <pc:sldMk cId="3191266742" sldId="293"/>
+            <ac:picMk id="12" creationId="{00000000-0000-0000-0000-000000000000}"/>
+          </ac:picMkLst>
+        </pc:picChg>
+      </pc:sldChg>
+      <pc:sldChg chg="modSp mod">
+        <pc:chgData name="王 泽宇" userId="9d3f4cd7f59b24b4" providerId="LiveId" clId="{BAC10133-D25F-4E27-BDC4-22A221900220}" dt="2021-09-26T11:52:52.945" v="89" actId="1035"/>
+        <pc:sldMkLst>
+          <pc:docMk/>
+          <pc:sldMk cId="3053550180" sldId="295"/>
+        </pc:sldMkLst>
+        <pc:picChg chg="mod">
+          <ac:chgData name="王 泽宇" userId="9d3f4cd7f59b24b4" providerId="LiveId" clId="{BAC10133-D25F-4E27-BDC4-22A221900220}" dt="2021-09-26T11:52:52.945" v="89" actId="1035"/>
+          <ac:picMkLst>
+            <pc:docMk/>
+            <pc:sldMk cId="3053550180" sldId="295"/>
+            <ac:picMk id="4" creationId="{477A5BE3-0C4A-43B5-80F0-F040A5F55FF4}"/>
+          </ac:picMkLst>
+        </pc:picChg>
+      </pc:sldChg>
+      <pc:sldChg chg="modSp mod">
+        <pc:chgData name="王 泽宇" userId="9d3f4cd7f59b24b4" providerId="LiveId" clId="{BAC10133-D25F-4E27-BDC4-22A221900220}" dt="2021-09-26T11:46:18.778" v="84" actId="20577"/>
+        <pc:sldMkLst>
+          <pc:docMk/>
+          <pc:sldMk cId="893941337" sldId="300"/>
+        </pc:sldMkLst>
+        <pc:spChg chg="mod">
+          <ac:chgData name="王 泽宇" userId="9d3f4cd7f59b24b4" providerId="LiveId" clId="{BAC10133-D25F-4E27-BDC4-22A221900220}" dt="2021-09-26T11:46:18.778" v="84" actId="20577"/>
+          <ac:spMkLst>
+            <pc:docMk/>
+            <pc:sldMk cId="893941337" sldId="300"/>
+            <ac:spMk id="3" creationId="{00000000-0000-0000-0000-000000000000}"/>
+          </ac:spMkLst>
+        </pc:spChg>
+      </pc:sldChg>
+      <pc:sldChg chg="addSp delSp modSp mod">
+        <pc:chgData name="王 泽宇" userId="9d3f4cd7f59b24b4" providerId="LiveId" clId="{BAC10133-D25F-4E27-BDC4-22A221900220}" dt="2021-09-26T12:43:22.706" v="124" actId="1076"/>
+        <pc:sldMkLst>
+          <pc:docMk/>
+          <pc:sldMk cId="1495056252" sldId="317"/>
+        </pc:sldMkLst>
+        <pc:picChg chg="add del mod">
+          <ac:chgData name="王 泽宇" userId="9d3f4cd7f59b24b4" providerId="LiveId" clId="{BAC10133-D25F-4E27-BDC4-22A221900220}" dt="2021-09-26T12:42:59.186" v="120"/>
+          <ac:picMkLst>
+            <pc:docMk/>
+            <pc:sldMk cId="1495056252" sldId="317"/>
+            <ac:picMk id="5" creationId="{614AF33F-0A3A-423E-BAF7-589F2BDA8FCB}"/>
+          </ac:picMkLst>
+        </pc:picChg>
+        <pc:picChg chg="add mod">
+          <ac:chgData name="王 泽宇" userId="9d3f4cd7f59b24b4" providerId="LiveId" clId="{BAC10133-D25F-4E27-BDC4-22A221900220}" dt="2021-09-26T12:43:22.706" v="124" actId="1076"/>
+          <ac:picMkLst>
+            <pc:docMk/>
+            <pc:sldMk cId="1495056252" sldId="317"/>
+            <ac:picMk id="6" creationId="{EEDF8ABB-F148-43FF-810D-0BBA7285E739}"/>
+          </ac:picMkLst>
+        </pc:picChg>
+        <pc:picChg chg="add del">
+          <ac:chgData name="王 泽宇" userId="9d3f4cd7f59b24b4" providerId="LiveId" clId="{BAC10133-D25F-4E27-BDC4-22A221900220}" dt="2021-09-26T12:43:15.504" v="122" actId="478"/>
+          <ac:picMkLst>
+            <pc:docMk/>
+            <pc:sldMk cId="1495056252" sldId="317"/>
+            <ac:picMk id="3074" creationId="{F2542270-394B-4740-92C2-E791ECF97A98}"/>
+          </ac:picMkLst>
+        </pc:picChg>
+      </pc:sldChg>
+      <pc:sldChg chg="addSp delSp modSp mod">
+        <pc:chgData name="王 泽宇" userId="9d3f4cd7f59b24b4" providerId="LiveId" clId="{BAC10133-D25F-4E27-BDC4-22A221900220}" dt="2021-09-26T13:56:10.477" v="175" actId="732"/>
+        <pc:sldMkLst>
+          <pc:docMk/>
+          <pc:sldMk cId="950769731" sldId="318"/>
+        </pc:sldMkLst>
+        <pc:spChg chg="mod">
+          <ac:chgData name="王 泽宇" userId="9d3f4cd7f59b24b4" providerId="LiveId" clId="{BAC10133-D25F-4E27-BDC4-22A221900220}" dt="2021-09-26T12:41:33.572" v="96"/>
+          <ac:spMkLst>
+            <pc:docMk/>
+            <pc:sldMk cId="950769731" sldId="318"/>
+            <ac:spMk id="11" creationId="{180A0758-4E78-48A5-A61C-8EAE57AE7AE0}"/>
+          </ac:spMkLst>
+        </pc:spChg>
+        <pc:spChg chg="mod">
+          <ac:chgData name="王 泽宇" userId="9d3f4cd7f59b24b4" providerId="LiveId" clId="{BAC10133-D25F-4E27-BDC4-22A221900220}" dt="2021-09-26T12:41:54.566" v="110"/>
+          <ac:spMkLst>
+            <pc:docMk/>
+            <pc:sldMk cId="950769731" sldId="318"/>
+            <ac:spMk id="16" creationId="{C8BCDFC1-9532-409E-B31A-EA114EF8CB76}"/>
+          </ac:spMkLst>
+        </pc:spChg>
+        <pc:grpChg chg="add del mod">
+          <ac:chgData name="王 泽宇" userId="9d3f4cd7f59b24b4" providerId="LiveId" clId="{BAC10133-D25F-4E27-BDC4-22A221900220}" dt="2021-09-26T12:41:53.678" v="109"/>
+          <ac:grpSpMkLst>
+            <pc:docMk/>
+            <pc:sldMk cId="950769731" sldId="318"/>
+            <ac:grpSpMk id="6" creationId="{1AB4CD94-2F84-46E6-B9FC-5B6DB063E84A}"/>
+          </ac:grpSpMkLst>
+        </pc:grpChg>
+        <pc:grpChg chg="add mod">
+          <ac:chgData name="王 泽宇" userId="9d3f4cd7f59b24b4" providerId="LiveId" clId="{BAC10133-D25F-4E27-BDC4-22A221900220}" dt="2021-09-26T12:42:26.886" v="115" actId="1076"/>
+          <ac:grpSpMkLst>
+            <pc:docMk/>
+            <pc:sldMk cId="950769731" sldId="318"/>
+            <ac:grpSpMk id="12" creationId="{4312DD06-72A3-47A7-8811-8EE5C63C7D0B}"/>
+          </ac:grpSpMkLst>
+        </pc:grpChg>
+        <pc:picChg chg="mod">
+          <ac:chgData name="王 泽宇" userId="9d3f4cd7f59b24b4" providerId="LiveId" clId="{BAC10133-D25F-4E27-BDC4-22A221900220}" dt="2021-09-26T12:41:33.572" v="96"/>
+          <ac:picMkLst>
+            <pc:docMk/>
+            <pc:sldMk cId="950769731" sldId="318"/>
+            <ac:picMk id="7" creationId="{816444D6-E920-4217-9000-0D17E9F5EB84}"/>
+          </ac:picMkLst>
+        </pc:picChg>
+        <pc:picChg chg="mod">
+          <ac:chgData name="王 泽宇" userId="9d3f4cd7f59b24b4" providerId="LiveId" clId="{BAC10133-D25F-4E27-BDC4-22A221900220}" dt="2021-09-26T12:41:33.572" v="96"/>
+          <ac:picMkLst>
+            <pc:docMk/>
+            <pc:sldMk cId="950769731" sldId="318"/>
+            <ac:picMk id="9" creationId="{CF0C9827-5FBF-48D9-8FE7-BB44642BD1FF}"/>
+          </ac:picMkLst>
+        </pc:picChg>
+        <pc:picChg chg="mod">
+          <ac:chgData name="王 泽宇" userId="9d3f4cd7f59b24b4" providerId="LiveId" clId="{BAC10133-D25F-4E27-BDC4-22A221900220}" dt="2021-09-26T12:41:33.572" v="96"/>
+          <ac:picMkLst>
+            <pc:docMk/>
+            <pc:sldMk cId="950769731" sldId="318"/>
+            <ac:picMk id="10" creationId="{532B7AB7-7EC3-4FAB-B7CD-1AE2DF0566B9}"/>
+          </ac:picMkLst>
+        </pc:picChg>
+        <pc:picChg chg="add del mod modCrop">
+          <ac:chgData name="王 泽宇" userId="9d3f4cd7f59b24b4" providerId="LiveId" clId="{BAC10133-D25F-4E27-BDC4-22A221900220}" dt="2021-09-26T13:56:10.477" v="175" actId="732"/>
+          <ac:picMkLst>
+            <pc:docMk/>
+            <pc:sldMk cId="950769731" sldId="318"/>
+            <ac:picMk id="13" creationId="{8693D189-D4F6-4804-AD8C-87B145A24D2A}"/>
+          </ac:picMkLst>
+        </pc:picChg>
+        <pc:picChg chg="mod">
+          <ac:chgData name="王 泽宇" userId="9d3f4cd7f59b24b4" providerId="LiveId" clId="{BAC10133-D25F-4E27-BDC4-22A221900220}" dt="2021-09-26T12:41:54.566" v="110"/>
+          <ac:picMkLst>
+            <pc:docMk/>
+            <pc:sldMk cId="950769731" sldId="318"/>
+            <ac:picMk id="14" creationId="{0A730F23-4032-4097-ACB8-5877DC893742}"/>
+          </ac:picMkLst>
+        </pc:picChg>
+        <pc:picChg chg="mod">
+          <ac:chgData name="王 泽宇" userId="9d3f4cd7f59b24b4" providerId="LiveId" clId="{BAC10133-D25F-4E27-BDC4-22A221900220}" dt="2021-09-26T12:41:54.566" v="110"/>
+          <ac:picMkLst>
+            <pc:docMk/>
+            <pc:sldMk cId="950769731" sldId="318"/>
+            <ac:picMk id="15" creationId="{074B3C5B-A9F6-4BC1-A9A7-F32C488A1386}"/>
+          </ac:picMkLst>
+        </pc:picChg>
+        <pc:picChg chg="del">
+          <ac:chgData name="王 泽宇" userId="9d3f4cd7f59b24b4" providerId="LiveId" clId="{BAC10133-D25F-4E27-BDC4-22A221900220}" dt="2021-09-26T12:41:32.358" v="95" actId="478"/>
+          <ac:picMkLst>
+            <pc:docMk/>
+            <pc:sldMk cId="950769731" sldId="318"/>
+            <ac:picMk id="5122" creationId="{EAD84353-71C1-49DB-9C54-68ADC526B292}"/>
+          </ac:picMkLst>
+        </pc:picChg>
+      </pc:sldChg>
+      <pc:sldChg chg="modSp">
+        <pc:chgData name="王 泽宇" userId="9d3f4cd7f59b24b4" providerId="LiveId" clId="{BAC10133-D25F-4E27-BDC4-22A221900220}" dt="2021-09-26T12:43:57.290" v="126" actId="1076"/>
+        <pc:sldMkLst>
+          <pc:docMk/>
+          <pc:sldMk cId="3075228645" sldId="319"/>
+        </pc:sldMkLst>
+        <pc:picChg chg="mod">
+          <ac:chgData name="王 泽宇" userId="9d3f4cd7f59b24b4" providerId="LiveId" clId="{BAC10133-D25F-4E27-BDC4-22A221900220}" dt="2021-09-26T12:43:57.290" v="126" actId="1076"/>
+          <ac:picMkLst>
+            <pc:docMk/>
+            <pc:sldMk cId="3075228645" sldId="319"/>
+            <ac:picMk id="6146" creationId="{981F36E9-D9CB-4415-B6BD-C7A5F3B4CD62}"/>
+          </ac:picMkLst>
+        </pc:picChg>
+      </pc:sldChg>
+      <pc:sldChg chg="modSp mod">
+        <pc:chgData name="王 泽宇" userId="9d3f4cd7f59b24b4" providerId="LiveId" clId="{BAC10133-D25F-4E27-BDC4-22A221900220}" dt="2021-09-26T11:46:20.986" v="87" actId="20577"/>
+        <pc:sldMkLst>
+          <pc:docMk/>
+          <pc:sldMk cId="3245933737" sldId="328"/>
+        </pc:sldMkLst>
+        <pc:spChg chg="mod">
+          <ac:chgData name="王 泽宇" userId="9d3f4cd7f59b24b4" providerId="LiveId" clId="{BAC10133-D25F-4E27-BDC4-22A221900220}" dt="2021-09-26T11:46:20.986" v="87" actId="20577"/>
+          <ac:spMkLst>
+            <pc:docMk/>
+            <pc:sldMk cId="3245933737" sldId="328"/>
+            <ac:spMk id="3" creationId="{00000000-0000-0000-0000-000000000000}"/>
+          </ac:spMkLst>
+        </pc:spChg>
+      </pc:sldChg>
+      <pc:sldChg chg="add ord">
+        <pc:chgData name="王 泽宇" userId="9d3f4cd7f59b24b4" providerId="LiveId" clId="{BAC10133-D25F-4E27-BDC4-22A221900220}" dt="2021-09-27T12:39:44.170" v="191"/>
+        <pc:sldMkLst>
+          <pc:docMk/>
+          <pc:sldMk cId="2785878089" sldId="330"/>
+        </pc:sldMkLst>
+      </pc:sldChg>
+      <pc:sldChg chg="addSp delSp modSp new del mod">
+        <pc:chgData name="王 泽宇" userId="9d3f4cd7f59b24b4" providerId="LiveId" clId="{BAC10133-D25F-4E27-BDC4-22A221900220}" dt="2021-09-26T16:37:37.326" v="184" actId="2696"/>
+        <pc:sldMkLst>
+          <pc:docMk/>
+          <pc:sldMk cId="2789043101" sldId="330"/>
+        </pc:sldMkLst>
+        <pc:spChg chg="del">
+          <ac:chgData name="王 泽宇" userId="9d3f4cd7f59b24b4" providerId="LiveId" clId="{BAC10133-D25F-4E27-BDC4-22A221900220}" dt="2021-09-26T14:03:34.477" v="183" actId="26606"/>
+          <ac:spMkLst>
+            <pc:docMk/>
+            <pc:sldMk cId="2789043101" sldId="330"/>
+            <ac:spMk id="2" creationId="{7B670CAA-319F-4DEC-A4E8-AB4C10D963E3}"/>
+          </ac:spMkLst>
+        </pc:spChg>
+        <pc:spChg chg="del">
+          <ac:chgData name="王 泽宇" userId="9d3f4cd7f59b24b4" providerId="LiveId" clId="{BAC10133-D25F-4E27-BDC4-22A221900220}" dt="2021-09-26T14:03:30.132" v="179"/>
+          <ac:spMkLst>
+            <pc:docMk/>
+            <pc:sldMk cId="2789043101" sldId="330"/>
+            <ac:spMk id="3" creationId="{62FA3EC2-F92C-478F-AA59-CDD2947858D0}"/>
+          </ac:spMkLst>
+        </pc:spChg>
+        <pc:spChg chg="add">
+          <ac:chgData name="王 泽宇" userId="9d3f4cd7f59b24b4" providerId="LiveId" clId="{BAC10133-D25F-4E27-BDC4-22A221900220}" dt="2021-09-26T14:03:34.477" v="183" actId="26606"/>
+          <ac:spMkLst>
+            <pc:docMk/>
+            <pc:sldMk cId="2789043101" sldId="330"/>
+            <ac:spMk id="10" creationId="{54D8A89C-A1AB-4DA6-8899-0E272BA76B4D}"/>
+          </ac:spMkLst>
+        </pc:spChg>
+        <pc:picChg chg="add mod">
+          <ac:chgData name="王 泽宇" userId="9d3f4cd7f59b24b4" providerId="LiveId" clId="{BAC10133-D25F-4E27-BDC4-22A221900220}" dt="2021-09-26T14:03:34.477" v="183" actId="26606"/>
+          <ac:picMkLst>
+            <pc:docMk/>
+            <pc:sldMk cId="2789043101" sldId="330"/>
+            <ac:picMk id="5" creationId="{BCDE99DB-BBC9-45C4-B81D-D4FA9B0AF284}"/>
+          </ac:picMkLst>
+        </pc:picChg>
+      </pc:sldChg>
+    </pc:docChg>
+  </pc:docChgLst>
+  <pc:docChgLst>
+    <pc:chgData name="王 泽宇" userId="9d3f4cd7f59b24b4" providerId="LiveId" clId="{3729B46F-A167-412E-A4F5-BF04914BD2F3}"/>
+    <pc:docChg chg="delSld modSld">
+      <pc:chgData name="王 泽宇" userId="9d3f4cd7f59b24b4" providerId="LiveId" clId="{3729B46F-A167-412E-A4F5-BF04914BD2F3}" dt="2021-09-28T17:04:57.333" v="40" actId="1037"/>
+      <pc:docMkLst>
+        <pc:docMk/>
+      </pc:docMkLst>
+      <pc:sldChg chg="modSp mod">
+        <pc:chgData name="王 泽宇" userId="9d3f4cd7f59b24b4" providerId="LiveId" clId="{3729B46F-A167-412E-A4F5-BF04914BD2F3}" dt="2021-09-28T02:45:25.748" v="3" actId="20577"/>
+        <pc:sldMkLst>
+          <pc:docMk/>
+          <pc:sldMk cId="3676477307" sldId="271"/>
+        </pc:sldMkLst>
+        <pc:spChg chg="mod">
+          <ac:chgData name="王 泽宇" userId="9d3f4cd7f59b24b4" providerId="LiveId" clId="{3729B46F-A167-412E-A4F5-BF04914BD2F3}" dt="2021-09-28T02:45:25.748" v="3" actId="20577"/>
+          <ac:spMkLst>
+            <pc:docMk/>
+            <pc:sldMk cId="3676477307" sldId="271"/>
+            <ac:spMk id="3" creationId="{00000000-0000-0000-0000-000000000000}"/>
+          </ac:spMkLst>
+        </pc:spChg>
+      </pc:sldChg>
+      <pc:sldChg chg="modSp mod">
+        <pc:chgData name="王 泽宇" userId="9d3f4cd7f59b24b4" providerId="LiveId" clId="{3729B46F-A167-412E-A4F5-BF04914BD2F3}" dt="2021-09-28T02:45:58.903" v="9" actId="20577"/>
+        <pc:sldMkLst>
+          <pc:docMk/>
+          <pc:sldMk cId="2386189649" sldId="277"/>
+        </pc:sldMkLst>
+        <pc:spChg chg="mod">
+          <ac:chgData name="王 泽宇" userId="9d3f4cd7f59b24b4" providerId="LiveId" clId="{3729B46F-A167-412E-A4F5-BF04914BD2F3}" dt="2021-09-28T02:45:58.903" v="9" actId="20577"/>
+          <ac:spMkLst>
+            <pc:docMk/>
+            <pc:sldMk cId="2386189649" sldId="277"/>
+            <ac:spMk id="3" creationId="{00000000-0000-0000-0000-000000000000}"/>
+          </ac:spMkLst>
+        </pc:spChg>
+      </pc:sldChg>
+      <pc:sldChg chg="modSp mod">
+        <pc:chgData name="王 泽宇" userId="9d3f4cd7f59b24b4" providerId="LiveId" clId="{3729B46F-A167-412E-A4F5-BF04914BD2F3}" dt="2021-09-28T17:04:57.333" v="40" actId="1037"/>
+        <pc:sldMkLst>
+          <pc:docMk/>
+          <pc:sldMk cId="3161837134" sldId="279"/>
+        </pc:sldMkLst>
+        <pc:spChg chg="mod">
+          <ac:chgData name="王 泽宇" userId="9d3f4cd7f59b24b4" providerId="LiveId" clId="{3729B46F-A167-412E-A4F5-BF04914BD2F3}" dt="2021-09-28T17:04:57.333" v="40" actId="1037"/>
+          <ac:spMkLst>
+            <pc:docMk/>
+            <pc:sldMk cId="3161837134" sldId="279"/>
+            <ac:spMk id="3" creationId="{0A7846DC-5389-46BF-ACA4-435E42641BF3}"/>
+          </ac:spMkLst>
+        </pc:spChg>
+      </pc:sldChg>
+      <pc:sldChg chg="del">
+        <pc:chgData name="王 泽宇" userId="9d3f4cd7f59b24b4" providerId="LiveId" clId="{3729B46F-A167-412E-A4F5-BF04914BD2F3}" dt="2021-09-27T17:30:03.249" v="0" actId="47"/>
+        <pc:sldMkLst>
+          <pc:docMk/>
+          <pc:sldMk cId="2785878089" sldId="330"/>
+        </pc:sldMkLst>
+      </pc:sldChg>
+    </pc:docChg>
+  </pc:docChgLst>
   <pc:docChgLst>
     <pc:chgData name="John Eson" userId="3de50c05e26c1012" providerId="LiveId" clId="{3CDF14F4-435C-4169-BDD0-819B222B546E}"/>
     <pc:docChg chg="undo redo custSel addSld delSld modSld sldOrd">
@@ -3004,7 +3404,7 @@
           <a:p>
             <a:fld id="{D4E04B6F-0892-7A43-A39D-885D83058F46}" type="datetimeFigureOut">
               <a:rPr kumimoji="1" lang="zh-CN" altLang="en-US" smtClean="0"/>
-              <a:t>2020/9/30</a:t>
+              <a:t>2021/9/29</a:t>
             </a:fld>
             <a:endParaRPr kumimoji="1" lang="zh-CN" altLang="en-US"/>
           </a:p>
@@ -4626,7 +5026,7 @@
           <a:p>
             <a:fld id="{6A9BCC05-7394-7647-9D1B-2A223BE8B4EE}" type="datetimeFigureOut">
               <a:rPr kumimoji="1" lang="zh-CN" altLang="en-US" smtClean="0"/>
-              <a:t>2020/9/30</a:t>
+              <a:t>2021/9/29</a:t>
             </a:fld>
             <a:endParaRPr kumimoji="1" lang="zh-CN" altLang="en-US"/>
           </a:p>
@@ -4794,7 +5194,7 @@
           <a:p>
             <a:fld id="{6A9BCC05-7394-7647-9D1B-2A223BE8B4EE}" type="datetimeFigureOut">
               <a:rPr kumimoji="1" lang="zh-CN" altLang="en-US" smtClean="0"/>
-              <a:t>2020/9/30</a:t>
+              <a:t>2021/9/29</a:t>
             </a:fld>
             <a:endParaRPr kumimoji="1" lang="zh-CN" altLang="en-US"/>
           </a:p>
@@ -4972,7 +5372,7 @@
           <a:p>
             <a:fld id="{6A9BCC05-7394-7647-9D1B-2A223BE8B4EE}" type="datetimeFigureOut">
               <a:rPr kumimoji="1" lang="zh-CN" altLang="en-US" smtClean="0"/>
-              <a:t>2020/9/30</a:t>
+              <a:t>2021/9/29</a:t>
             </a:fld>
             <a:endParaRPr kumimoji="1" lang="zh-CN" altLang="en-US"/>
           </a:p>
@@ -5140,7 +5540,7 @@
           <a:p>
             <a:fld id="{6A9BCC05-7394-7647-9D1B-2A223BE8B4EE}" type="datetimeFigureOut">
               <a:rPr kumimoji="1" lang="zh-CN" altLang="en-US" smtClean="0"/>
-              <a:t>2020/9/30</a:t>
+              <a:t>2021/9/29</a:t>
             </a:fld>
             <a:endParaRPr kumimoji="1" lang="zh-CN" altLang="en-US"/>
           </a:p>
@@ -5385,7 +5785,7 @@
           <a:p>
             <a:fld id="{6A9BCC05-7394-7647-9D1B-2A223BE8B4EE}" type="datetimeFigureOut">
               <a:rPr kumimoji="1" lang="zh-CN" altLang="en-US" smtClean="0"/>
-              <a:t>2020/9/30</a:t>
+              <a:t>2021/9/29</a:t>
             </a:fld>
             <a:endParaRPr kumimoji="1" lang="zh-CN" altLang="en-US"/>
           </a:p>
@@ -5670,7 +6070,7 @@
           <a:p>
             <a:fld id="{6A9BCC05-7394-7647-9D1B-2A223BE8B4EE}" type="datetimeFigureOut">
               <a:rPr kumimoji="1" lang="zh-CN" altLang="en-US" smtClean="0"/>
-              <a:t>2020/9/30</a:t>
+              <a:t>2021/9/29</a:t>
             </a:fld>
             <a:endParaRPr kumimoji="1" lang="zh-CN" altLang="en-US"/>
           </a:p>
@@ -6089,7 +6489,7 @@
           <a:p>
             <a:fld id="{6A9BCC05-7394-7647-9D1B-2A223BE8B4EE}" type="datetimeFigureOut">
               <a:rPr kumimoji="1" lang="zh-CN" altLang="en-US" smtClean="0"/>
-              <a:t>2020/9/30</a:t>
+              <a:t>2021/9/29</a:t>
             </a:fld>
             <a:endParaRPr kumimoji="1" lang="zh-CN" altLang="en-US"/>
           </a:p>
@@ -6206,7 +6606,7 @@
           <a:p>
             <a:fld id="{6A9BCC05-7394-7647-9D1B-2A223BE8B4EE}" type="datetimeFigureOut">
               <a:rPr kumimoji="1" lang="zh-CN" altLang="en-US" smtClean="0"/>
-              <a:t>2020/9/30</a:t>
+              <a:t>2021/9/29</a:t>
             </a:fld>
             <a:endParaRPr kumimoji="1" lang="zh-CN" altLang="en-US"/>
           </a:p>
@@ -6301,7 +6701,7 @@
           <a:p>
             <a:fld id="{6A9BCC05-7394-7647-9D1B-2A223BE8B4EE}" type="datetimeFigureOut">
               <a:rPr kumimoji="1" lang="zh-CN" altLang="en-US" smtClean="0"/>
-              <a:t>2020/9/30</a:t>
+              <a:t>2021/9/29</a:t>
             </a:fld>
             <a:endParaRPr kumimoji="1" lang="zh-CN" altLang="en-US"/>
           </a:p>
@@ -6576,7 +6976,7 @@
           <a:p>
             <a:fld id="{6A9BCC05-7394-7647-9D1B-2A223BE8B4EE}" type="datetimeFigureOut">
               <a:rPr kumimoji="1" lang="zh-CN" altLang="en-US" smtClean="0"/>
-              <a:t>2020/9/30</a:t>
+              <a:t>2021/9/29</a:t>
             </a:fld>
             <a:endParaRPr kumimoji="1" lang="zh-CN" altLang="en-US"/>
           </a:p>
@@ -6828,7 +7228,7 @@
           <a:p>
             <a:fld id="{6A9BCC05-7394-7647-9D1B-2A223BE8B4EE}" type="datetimeFigureOut">
               <a:rPr kumimoji="1" lang="zh-CN" altLang="en-US" smtClean="0"/>
-              <a:t>2020/9/30</a:t>
+              <a:t>2021/9/29</a:t>
             </a:fld>
             <a:endParaRPr kumimoji="1" lang="zh-CN" altLang="en-US"/>
           </a:p>
@@ -7039,7 +7439,7 @@
           <a:p>
             <a:fld id="{6A9BCC05-7394-7647-9D1B-2A223BE8B4EE}" type="datetimeFigureOut">
               <a:rPr kumimoji="1" lang="zh-CN" altLang="en-US" smtClean="0"/>
-              <a:t>2020/9/30</a:t>
+              <a:t>2021/9/29</a:t>
             </a:fld>
             <a:endParaRPr kumimoji="1" lang="zh-CN" altLang="en-US"/>
           </a:p>
@@ -8197,15 +8597,7 @@
             </a:r>
             <a:r>
               <a:rPr lang="en-US" altLang="zh-CN" dirty="0"/>
-              <a:t> </a:t>
-            </a:r>
-            <a:r>
-              <a:rPr lang="en-US" altLang="zh-CN"/>
-              <a:t>Window for Reliable </a:t>
-            </a:r>
-            <a:r>
-              <a:rPr lang="en-US" altLang="zh-CN" dirty="0"/>
-              <a:t>transmission</a:t>
+              <a:t> Window for Reliable transmission</a:t>
             </a:r>
           </a:p>
         </p:txBody>
@@ -10150,7 +10542,7 @@
         </p:nvSpPr>
         <p:spPr>
           <a:xfrm>
-            <a:off x="457200" y="274638"/>
+            <a:off x="453015" y="282887"/>
             <a:ext cx="8229600" cy="1143000"/>
           </a:xfrm>
         </p:spPr>
@@ -12136,8 +12528,8 @@
           </p:nvSpPr>
           <p:spPr>
             <a:xfrm>
-              <a:off x="3298172" y="2799137"/>
-              <a:ext cx="1269643" cy="369332"/>
+              <a:off x="3444222" y="2799137"/>
+              <a:ext cx="1003544" cy="369332"/>
             </a:xfrm>
             <a:prstGeom prst="rect">
               <a:avLst/>
@@ -12155,7 +12547,7 @@
                     <a:srgbClr val="0000FF"/>
                   </a:solidFill>
                 </a:rPr>
-                <a:t>UDP or TCP</a:t>
+                <a:t>TCP only</a:t>
               </a:r>
               <a:endParaRPr lang="zh-CN" altLang="en-US" b="1" dirty="0">
                 <a:solidFill>
@@ -13583,7 +13975,7 @@
             <a:pPr lvl="1"/>
             <a:r>
               <a:rPr lang="en-US" altLang="zh-CN" sz="2200" dirty="0"/>
-              <a:t>int connect((int </a:t>
+              <a:t>int connect(int </a:t>
             </a:r>
             <a:r>
               <a:rPr lang="en-US" altLang="zh-CN" sz="2200" dirty="0" err="1"/>
@@ -14901,23 +15293,7 @@
             </a:r>
             <a:r>
               <a:rPr lang="en-US" altLang="zh-CN" sz="2000" dirty="0"/>
-              <a:t>, int flags, </a:t>
-            </a:r>
-            <a:r>
-              <a:rPr lang="en-US" altLang="zh-CN" sz="2000" dirty="0" err="1"/>
-              <a:t>const</a:t>
-            </a:r>
-            <a:r>
-              <a:rPr lang="en-US" altLang="zh-CN" sz="2000" dirty="0"/>
-              <a:t> </a:t>
-            </a:r>
-            <a:r>
-              <a:rPr lang="en-US" altLang="zh-CN" sz="2000" dirty="0" err="1"/>
-              <a:t>struct</a:t>
-            </a:r>
-            <a:r>
-              <a:rPr lang="en-US" altLang="zh-CN" sz="2000" dirty="0"/>
-              <a:t> </a:t>
+              <a:t>, int flags, const struct </a:t>
             </a:r>
             <a:r>
               <a:rPr lang="en-US" altLang="zh-CN" sz="2000" dirty="0" err="1"/>
@@ -16090,9 +16466,9 @@
         <p:grpSpPr>
           <a:xfrm>
             <a:off x="5429394" y="2207895"/>
-            <a:ext cx="3257406" cy="3918268"/>
+            <a:ext cx="3257406" cy="3905568"/>
             <a:chOff x="5429394" y="2207895"/>
-            <a:chExt cx="3257406" cy="3918268"/>
+            <a:chExt cx="3257406" cy="3905568"/>
           </a:xfrm>
         </p:grpSpPr>
         <p:pic>
@@ -16117,7 +16493,7 @@
           </p:blipFill>
           <p:spPr>
             <a:xfrm>
-              <a:off x="5429394" y="3051843"/>
+              <a:off x="5429394" y="3039143"/>
               <a:ext cx="3257406" cy="3074320"/>
             </a:xfrm>
             <a:prstGeom prst="rect">
@@ -19595,7 +19971,7 @@
             <a:pPr lvl="1"/>
             <a:r>
               <a:rPr kumimoji="1" lang="en-US" altLang="zh-CN" dirty="0"/>
-              <a:t>Implementation of FTP (70%)</a:t>
+              <a:t>Implementation of FTP (70%+10%)</a:t>
             </a:r>
           </a:p>
           <a:p>
@@ -19804,7 +20180,7 @@
         </p:blipFill>
         <p:spPr>
           <a:xfrm>
-            <a:off x="6562115" y="3429001"/>
+            <a:off x="6533532" y="3429001"/>
             <a:ext cx="2610468" cy="1420792"/>
           </a:xfrm>
           <a:prstGeom prst="rect">
@@ -19889,15 +20265,7 @@
             <a:pPr lvl="1"/>
             <a:r>
               <a:rPr kumimoji="1" lang="en-US" altLang="zh-CN" dirty="0"/>
-              <a:t>Start up: today </a:t>
-            </a:r>
-            <a:r>
-              <a:rPr kumimoji="1" lang="en-US" altLang="zh-CN"/>
-              <a:t>(2020.9.30</a:t>
-            </a:r>
-            <a:r>
-              <a:rPr kumimoji="1" lang="en-US" altLang="zh-CN" dirty="0"/>
-              <a:t>.)</a:t>
+              <a:t>Start up: today (2021.9.29.)</a:t>
             </a:r>
           </a:p>
           <a:p>
@@ -19919,7 +20287,7 @@
                   <a:srgbClr val="FF0000"/>
                 </a:solidFill>
               </a:rPr>
-              <a:t>3 weeks </a:t>
+              <a:t>3.5 weeks </a:t>
             </a:r>
             <a:r>
               <a:rPr kumimoji="1" lang="en-US" altLang="zh-CN" dirty="0">
@@ -19935,7 +20303,7 @@
                   <a:srgbClr val="FF0000"/>
                 </a:solidFill>
               </a:rPr>
-              <a:t>2020.10.21.</a:t>
+              <a:t>2021.10.24.</a:t>
             </a:r>
             <a:r>
               <a:rPr kumimoji="1" lang="en-US" altLang="zh-CN" dirty="0">
@@ -20091,12 +20459,20 @@
               <a:p>
                 <a:pPr lvl="1"/>
                 <a:r>
+                  <a:rPr lang="en-US" altLang="zh-CN">
+                    <a:solidFill>
+                      <a:srgbClr val="FF0000"/>
+                    </a:solidFill>
+                  </a:rPr>
+                  <a:t>*80</a:t>
+                </a:r>
+                <a:r>
                   <a:rPr lang="en-US" altLang="zh-CN" dirty="0">
                     <a:solidFill>
                       <a:srgbClr val="FF0000"/>
                     </a:solidFill>
                   </a:rPr>
-                  <a:t>*50% for one day delay;</a:t>
+                  <a:t>% for one week delay;</a:t>
                 </a:r>
               </a:p>
               <a:p>
@@ -20107,7 +20483,7 @@
                       <a:srgbClr val="FF0000"/>
                     </a:solidFill>
                   </a:rPr>
-                  <a:t>*0 for two days or latter;</a:t>
+                  <a:t>*0 for latter;</a:t>
                 </a:r>
               </a:p>
               <a:p>
@@ -20160,7 +20536,7 @@
               <a:lstStyle/>
               <a:p>
                 <a:r>
-                  <a:rPr lang="zh-CN" altLang="en-US">
+                  <a:rPr lang="en-US">
                     <a:noFill/>
                   </a:rPr>
                   <a:t> </a:t>
@@ -20592,53 +20968,6 @@
           </a:p>
         </p:txBody>
       </p:sp>
-      <p:pic>
-        <p:nvPicPr>
-          <p:cNvPr id="3074" name="Picture 2" descr="C:\Users\zhang\AppData\Roaming\feiq\RichOle\1624764635.bmp">
-            <a:extLst>
-              <a:ext uri="{FF2B5EF4-FFF2-40B4-BE49-F238E27FC236}">
-                <a16:creationId xmlns:a16="http://schemas.microsoft.com/office/drawing/2014/main" id="{F2542270-394B-4740-92C2-E791ECF97A98}"/>
-              </a:ext>
-            </a:extLst>
-          </p:cNvPr>
-          <p:cNvPicPr>
-            <a:picLocks noChangeAspect="1" noChangeArrowheads="1"/>
-          </p:cNvPicPr>
-          <p:nvPr/>
-        </p:nvPicPr>
-        <p:blipFill>
-          <a:blip r:embed="rId3">
-            <a:extLst>
-              <a:ext uri="{28A0092B-C50C-407E-A947-70E740481C1C}">
-                <a14:useLocalDpi xmlns:a14="http://schemas.microsoft.com/office/drawing/2010/main" val="0"/>
-              </a:ext>
-            </a:extLst>
-          </a:blip>
-          <a:srcRect/>
-          <a:stretch>
-            <a:fillRect/>
-          </a:stretch>
-        </p:blipFill>
-        <p:spPr bwMode="auto">
-          <a:xfrm>
-            <a:off x="2628900" y="1258887"/>
-            <a:ext cx="3886200" cy="5324475"/>
-          </a:xfrm>
-          <a:prstGeom prst="rect">
-            <a:avLst/>
-          </a:prstGeom>
-          <a:noFill/>
-          <a:extLst>
-            <a:ext uri="{909E8E84-426E-40DD-AFC4-6F175D3DCCD1}">
-              <a14:hiddenFill xmlns:a14="http://schemas.microsoft.com/office/drawing/2010/main">
-                <a:solidFill>
-                  <a:srgbClr val="FFFFFF"/>
-                </a:solidFill>
-              </a14:hiddenFill>
-            </a:ext>
-          </a:extLst>
-        </p:spPr>
-      </p:pic>
       <p:sp>
         <p:nvSpPr>
           <p:cNvPr id="8" name="文本框 7">
@@ -20675,6 +21004,36 @@
           </a:p>
         </p:txBody>
       </p:sp>
+      <p:pic>
+        <p:nvPicPr>
+          <p:cNvPr id="6" name="图片 5">
+            <a:extLst>
+              <a:ext uri="{FF2B5EF4-FFF2-40B4-BE49-F238E27FC236}">
+                <a16:creationId xmlns:a16="http://schemas.microsoft.com/office/drawing/2014/main" id="{EEDF8ABB-F148-43FF-810D-0BBA7285E739}"/>
+              </a:ext>
+            </a:extLst>
+          </p:cNvPr>
+          <p:cNvPicPr>
+            <a:picLocks noChangeAspect="1"/>
+          </p:cNvPicPr>
+          <p:nvPr/>
+        </p:nvPicPr>
+        <p:blipFill>
+          <a:blip r:embed="rId3"/>
+          <a:stretch>
+            <a:fillRect/>
+          </a:stretch>
+        </p:blipFill>
+        <p:spPr>
+          <a:xfrm>
+            <a:off x="1812391" y="1747440"/>
+            <a:ext cx="5519217" cy="4580747"/>
+          </a:xfrm>
+          <a:prstGeom prst="rect">
+            <a:avLst/>
+          </a:prstGeom>
+        </p:spPr>
+      </p:pic>
     </p:spTree>
     <p:extLst>
       <p:ext uri="{BB962C8B-B14F-4D97-AF65-F5344CB8AC3E}">
@@ -20766,53 +21125,6 @@
           <a:chExt cx="0" cy="0"/>
         </a:xfrm>
       </p:grpSpPr>
-      <p:pic>
-        <p:nvPicPr>
-          <p:cNvPr id="5122" name="Picture 2" descr="C:\Users\zhang\AppData\Roaming\feiq\RichOle\2080739058.bmp">
-            <a:extLst>
-              <a:ext uri="{FF2B5EF4-FFF2-40B4-BE49-F238E27FC236}">
-                <a16:creationId xmlns:a16="http://schemas.microsoft.com/office/drawing/2014/main" id="{EAD84353-71C1-49DB-9C54-68ADC526B292}"/>
-              </a:ext>
-            </a:extLst>
-          </p:cNvPr>
-          <p:cNvPicPr>
-            <a:picLocks noChangeAspect="1" noChangeArrowheads="1"/>
-          </p:cNvPicPr>
-          <p:nvPr/>
-        </p:nvPicPr>
-        <p:blipFill>
-          <a:blip r:embed="rId3">
-            <a:extLst>
-              <a:ext uri="{28A0092B-C50C-407E-A947-70E740481C1C}">
-                <a14:useLocalDpi xmlns:a14="http://schemas.microsoft.com/office/drawing/2010/main" val="0"/>
-              </a:ext>
-            </a:extLst>
-          </a:blip>
-          <a:srcRect/>
-          <a:stretch>
-            <a:fillRect/>
-          </a:stretch>
-        </p:blipFill>
-        <p:spPr bwMode="auto">
-          <a:xfrm>
-            <a:off x="0" y="1722136"/>
-            <a:ext cx="9144000" cy="4432300"/>
-          </a:xfrm>
-          <a:prstGeom prst="rect">
-            <a:avLst/>
-          </a:prstGeom>
-          <a:noFill/>
-          <a:extLst>
-            <a:ext uri="{909E8E84-426E-40DD-AFC4-6F175D3DCCD1}">
-              <a14:hiddenFill xmlns:a14="http://schemas.microsoft.com/office/drawing/2010/main">
-                <a:solidFill>
-                  <a:srgbClr val="FFFFFF"/>
-                </a:solidFill>
-              </a14:hiddenFill>
-            </a:ext>
-          </a:extLst>
-        </p:spPr>
-      </p:pic>
       <p:sp>
         <p:nvSpPr>
           <p:cNvPr id="5" name="文本框 4">
@@ -20885,6 +21197,168 @@
           </a:p>
         </p:txBody>
       </p:sp>
+      <p:grpSp>
+        <p:nvGrpSpPr>
+          <p:cNvPr id="12" name="组合 11">
+            <a:extLst>
+              <a:ext uri="{FF2B5EF4-FFF2-40B4-BE49-F238E27FC236}">
+                <a16:creationId xmlns:a16="http://schemas.microsoft.com/office/drawing/2014/main" id="{4312DD06-72A3-47A7-8811-8EE5C63C7D0B}"/>
+              </a:ext>
+            </a:extLst>
+          </p:cNvPr>
+          <p:cNvGrpSpPr/>
+          <p:nvPr/>
+        </p:nvGrpSpPr>
+        <p:grpSpPr>
+          <a:xfrm>
+            <a:off x="69369" y="1720697"/>
+            <a:ext cx="9005261" cy="4685807"/>
+            <a:chOff x="890218" y="1257367"/>
+            <a:chExt cx="10518814" cy="5473371"/>
+          </a:xfrm>
+        </p:grpSpPr>
+        <p:pic>
+          <p:nvPicPr>
+            <p:cNvPr id="13" name="图片 12">
+              <a:extLst>
+                <a:ext uri="{FF2B5EF4-FFF2-40B4-BE49-F238E27FC236}">
+                  <a16:creationId xmlns:a16="http://schemas.microsoft.com/office/drawing/2014/main" id="{8693D189-D4F6-4804-AD8C-87B145A24D2A}"/>
+                </a:ext>
+              </a:extLst>
+            </p:cNvPr>
+            <p:cNvPicPr>
+              <a:picLocks noChangeAspect="1"/>
+            </p:cNvPicPr>
+            <p:nvPr/>
+          </p:nvPicPr>
+          <p:blipFill rotWithShape="1">
+            <a:blip r:embed="rId3"/>
+            <a:srcRect t="6657"/>
+            <a:stretch/>
+          </p:blipFill>
+          <p:spPr>
+            <a:xfrm>
+              <a:off x="903056" y="1642600"/>
+              <a:ext cx="3273019" cy="5005366"/>
+            </a:xfrm>
+            <a:prstGeom prst="rect">
+              <a:avLst/>
+            </a:prstGeom>
+          </p:spPr>
+        </p:pic>
+        <p:pic>
+          <p:nvPicPr>
+            <p:cNvPr id="14" name="图片 13">
+              <a:extLst>
+                <a:ext uri="{FF2B5EF4-FFF2-40B4-BE49-F238E27FC236}">
+                  <a16:creationId xmlns:a16="http://schemas.microsoft.com/office/drawing/2014/main" id="{0A730F23-4032-4097-ACB8-5877DC893742}"/>
+                </a:ext>
+              </a:extLst>
+            </p:cNvPr>
+            <p:cNvPicPr>
+              <a:picLocks noChangeAspect="1"/>
+            </p:cNvPicPr>
+            <p:nvPr/>
+          </p:nvPicPr>
+          <p:blipFill>
+            <a:blip r:embed="rId4"/>
+            <a:stretch>
+              <a:fillRect/>
+            </a:stretch>
+          </p:blipFill>
+          <p:spPr>
+            <a:xfrm>
+              <a:off x="4553147" y="1285648"/>
+              <a:ext cx="3273019" cy="5405342"/>
+            </a:xfrm>
+            <a:prstGeom prst="rect">
+              <a:avLst/>
+            </a:prstGeom>
+          </p:spPr>
+        </p:pic>
+        <p:pic>
+          <p:nvPicPr>
+            <p:cNvPr id="15" name="图片 14">
+              <a:extLst>
+                <a:ext uri="{FF2B5EF4-FFF2-40B4-BE49-F238E27FC236}">
+                  <a16:creationId xmlns:a16="http://schemas.microsoft.com/office/drawing/2014/main" id="{074B3C5B-A9F6-4BC1-A9A7-F32C488A1386}"/>
+                </a:ext>
+              </a:extLst>
+            </p:cNvPr>
+            <p:cNvPicPr>
+              <a:picLocks noChangeAspect="1"/>
+            </p:cNvPicPr>
+            <p:nvPr/>
+          </p:nvPicPr>
+          <p:blipFill>
+            <a:blip r:embed="rId5"/>
+            <a:stretch>
+              <a:fillRect/>
+            </a:stretch>
+          </p:blipFill>
+          <p:spPr>
+            <a:xfrm>
+              <a:off x="8203238" y="1285648"/>
+              <a:ext cx="3205794" cy="5405342"/>
+            </a:xfrm>
+            <a:prstGeom prst="rect">
+              <a:avLst/>
+            </a:prstGeom>
+          </p:spPr>
+        </p:pic>
+        <p:sp>
+          <p:nvSpPr>
+            <p:cNvPr id="16" name="矩形 15">
+              <a:extLst>
+                <a:ext uri="{FF2B5EF4-FFF2-40B4-BE49-F238E27FC236}">
+                  <a16:creationId xmlns:a16="http://schemas.microsoft.com/office/drawing/2014/main" id="{C8BCDFC1-9532-409E-B31A-EA114EF8CB76}"/>
+                </a:ext>
+              </a:extLst>
+            </p:cNvPr>
+            <p:cNvSpPr/>
+            <p:nvPr/>
+          </p:nvSpPr>
+          <p:spPr>
+            <a:xfrm>
+              <a:off x="890218" y="1257367"/>
+              <a:ext cx="10505976" cy="5473371"/>
+            </a:xfrm>
+            <a:prstGeom prst="rect">
+              <a:avLst/>
+            </a:prstGeom>
+            <a:noFill/>
+            <a:ln>
+              <a:solidFill>
+                <a:schemeClr val="tx1"/>
+              </a:solidFill>
+            </a:ln>
+          </p:spPr>
+          <p:style>
+            <a:lnRef idx="2">
+              <a:schemeClr val="accent1">
+                <a:shade val="50000"/>
+              </a:schemeClr>
+            </a:lnRef>
+            <a:fillRef idx="1">
+              <a:schemeClr val="accent1"/>
+            </a:fillRef>
+            <a:effectRef idx="0">
+              <a:schemeClr val="accent1"/>
+            </a:effectRef>
+            <a:fontRef idx="minor">
+              <a:schemeClr val="lt1"/>
+            </a:fontRef>
+          </p:style>
+          <p:txBody>
+            <a:bodyPr rtlCol="0" anchor="ctr"/>
+            <a:lstStyle/>
+            <a:p>
+              <a:pPr algn="ctr"/>
+              <a:endParaRPr lang="zh-CN" altLang="en-US"/>
+            </a:p>
+          </p:txBody>
+        </p:sp>
+      </p:grpSp>
     </p:spTree>
     <p:extLst>
       <p:ext uri="{BB962C8B-B14F-4D97-AF65-F5344CB8AC3E}">
@@ -21139,10 +21613,10 @@
           <a:lstStyle/>
           <a:p>
             <a:r>
-              <a:rPr kumimoji="1" lang="en-US" altLang="zh-CN" sz="11500" dirty="0"/>
-              <a:t>Q&amp;A</a:t>
-            </a:r>
-            <a:endParaRPr kumimoji="1" lang="zh-CN" altLang="en-US" sz="11500" dirty="0"/>
+              <a:rPr kumimoji="1" lang="en-US" altLang="zh-CN" sz="6600" u="none" dirty="0"/>
+              <a:t>Happy National Day</a:t>
+            </a:r>
+            <a:endParaRPr kumimoji="1" lang="zh-CN" altLang="en-US" sz="6600" u="none" dirty="0"/>
           </a:p>
         </p:txBody>
       </p:sp>
@@ -25397,7 +25871,7 @@
         </p:blipFill>
         <p:spPr>
           <a:xfrm>
-            <a:off x="512982" y="3028203"/>
+            <a:off x="512982" y="3015503"/>
             <a:ext cx="2646000" cy="1873011"/>
           </a:xfrm>
           <a:prstGeom prst="rect">
